--- a/images/lecture_figures.pptx
+++ b/images/lecture_figures.pptx
@@ -3571,8 +3571,8 @@
         </p:nvSpPr>
         <p:spPr>
           <a:xfrm>
-            <a:off x="3602238" y="4357510"/>
-            <a:ext cx="6165278" cy="769441"/>
+            <a:off x="3421483" y="4421305"/>
+            <a:ext cx="6360469" cy="738664"/>
           </a:xfrm>
           <a:prstGeom prst="rect">
             <a:avLst/>
@@ -3582,7 +3582,7 @@
           </a:solidFill>
         </p:spPr>
         <p:txBody>
-          <a:bodyPr wrap="none" rtlCol="0">
+          <a:bodyPr wrap="square" rtlCol="0">
             <a:spAutoFit/>
           </a:bodyPr>
           <a:lstStyle/>
@@ -3598,7 +3598,7 @@
           </a:p>
           <a:p>
             <a:r>
-              <a:rPr lang="en-US" sz="2000" dirty="0">
+              <a:rPr lang="en-US" dirty="0">
                 <a:solidFill>
                   <a:schemeClr val="bg1"/>
                 </a:solidFill>
@@ -4124,8 +4124,8 @@
         </p:nvSpPr>
         <p:spPr>
           <a:xfrm>
-            <a:off x="4183409" y="3850157"/>
-            <a:ext cx="1547540" cy="461665"/>
+            <a:off x="4490785" y="3850157"/>
+            <a:ext cx="832279" cy="461665"/>
           </a:xfrm>
           <a:prstGeom prst="rect">
             <a:avLst/>
@@ -4144,7 +4144,7 @@
                   <a:schemeClr val="accent4"/>
                 </a:solidFill>
               </a:rPr>
-              <a:t>Odds Ratio</a:t>
+              <a:t>Odds</a:t>
             </a:r>
           </a:p>
         </p:txBody>
@@ -4193,8 +4193,8 @@
         </p:nvSpPr>
         <p:spPr>
           <a:xfrm>
-            <a:off x="6241312" y="4154312"/>
-            <a:ext cx="3174908" cy="830997"/>
+            <a:off x="5756489" y="3604010"/>
+            <a:ext cx="3369833" cy="830997"/>
           </a:xfrm>
           <a:prstGeom prst="rect">
             <a:avLst/>
@@ -4213,7 +4213,7 @@
                   <a:schemeClr val="accent4"/>
                 </a:solidFill>
               </a:rPr>
-              <a:t>Odds of the other event</a:t>
+              <a:t>Probability of non-event</a:t>
             </a:r>
           </a:p>
           <a:p>
@@ -4223,7 +4223,7 @@
                   <a:schemeClr val="accent4"/>
                 </a:solidFill>
               </a:rPr>
-              <a:t>(e.g. odds of losing)</a:t>
+              <a:t>(e.g. probability of losing)</a:t>
             </a:r>
           </a:p>
         </p:txBody>
@@ -4239,13 +4239,14 @@
           </p:cNvPr>
           <p:cNvCxnSpPr>
             <a:cxnSpLocks/>
+            <a:stCxn id="9" idx="1"/>
           </p:cNvCxnSpPr>
           <p:nvPr/>
         </p:nvCxnSpPr>
         <p:spPr>
           <a:xfrm flipH="1" flipV="1">
-            <a:off x="5504591" y="4076452"/>
-            <a:ext cx="736721" cy="480826"/>
+            <a:off x="5135527" y="3707743"/>
+            <a:ext cx="620962" cy="311766"/>
           </a:xfrm>
           <a:prstGeom prst="straightConnector1">
             <a:avLst/>
@@ -4286,8 +4287,8 @@
         </p:nvSpPr>
         <p:spPr>
           <a:xfrm>
-            <a:off x="6291650" y="2095106"/>
-            <a:ext cx="2885855" cy="830997"/>
+            <a:off x="5536738" y="2031310"/>
+            <a:ext cx="3631122" cy="830997"/>
           </a:xfrm>
           <a:prstGeom prst="rect">
             <a:avLst/>
@@ -4306,7 +4307,7 @@
                   <a:schemeClr val="accent4"/>
                 </a:solidFill>
               </a:rPr>
-              <a:t>Odds of some event</a:t>
+              <a:t>Probability of event</a:t>
             </a:r>
           </a:p>
           <a:p>
@@ -4316,7 +4317,7 @@
                   <a:schemeClr val="accent4"/>
                 </a:solidFill>
               </a:rPr>
-              <a:t>(e.g. odds of winning)</a:t>
+              <a:t>(e.g. probability of winning)</a:t>
             </a:r>
           </a:p>
         </p:txBody>
@@ -4337,7 +4338,7 @@
         </p:nvCxnSpPr>
         <p:spPr>
           <a:xfrm flipH="1">
-            <a:off x="5506480" y="2423379"/>
+            <a:off x="4751568" y="2359583"/>
             <a:ext cx="719234" cy="424864"/>
           </a:xfrm>
           <a:prstGeom prst="straightConnector1">
@@ -4421,29 +4422,7 @@
                           </a:solidFill>
                           <a:latin typeface="Cambria Math" panose="02040503050406030204" pitchFamily="18" charset="0"/>
                         </a:rPr>
-                        <m:t> </m:t>
-                      </m:r>
-                      <m:r>
-                        <a:rPr lang="en-GB" sz="4400" b="0" i="1" smtClean="0">
-                          <a:solidFill>
-                            <a:schemeClr val="bg1">
-                              <a:lumMod val="95000"/>
-                            </a:schemeClr>
-                          </a:solidFill>
-                          <a:latin typeface="Cambria Math" panose="02040503050406030204" pitchFamily="18" charset="0"/>
-                        </a:rPr>
-                        <m:t>𝑅𝑎𝑡𝑖𝑜</m:t>
-                      </m:r>
-                      <m:r>
-                        <a:rPr lang="en-GB" sz="4400" b="0" i="1" smtClean="0">
-                          <a:solidFill>
-                            <a:schemeClr val="bg1">
-                              <a:lumMod val="95000"/>
-                            </a:schemeClr>
-                          </a:solidFill>
-                          <a:latin typeface="Cambria Math" panose="02040503050406030204" pitchFamily="18" charset="0"/>
-                        </a:rPr>
-                        <m:t>=</m:t>
+                        <m:t> =</m:t>
                       </m:r>
                       <m:f>
                         <m:fPr>
@@ -4555,6 +4534,73 @@
           </p:sp>
         </mc:Fallback>
       </mc:AlternateContent>
+      <p:sp>
+        <p:nvSpPr>
+          <p:cNvPr id="21" name="Rectangle 20">
+            <a:extLst>
+              <a:ext uri="{FF2B5EF4-FFF2-40B4-BE49-F238E27FC236}">
+                <a16:creationId xmlns:a16="http://schemas.microsoft.com/office/drawing/2014/main" id="{73C84623-2813-DF44-A977-8C062C77C3F4}"/>
+              </a:ext>
+            </a:extLst>
+          </p:cNvPr>
+          <p:cNvSpPr/>
+          <p:nvPr/>
+        </p:nvSpPr>
+        <p:spPr>
+          <a:xfrm>
+            <a:off x="1518114" y="4774492"/>
+            <a:ext cx="8657244" cy="1200329"/>
+          </a:xfrm>
+          <a:prstGeom prst="rect">
+            <a:avLst/>
+          </a:prstGeom>
+        </p:spPr>
+        <p:txBody>
+          <a:bodyPr wrap="square">
+            <a:spAutoFit/>
+          </a:bodyPr>
+          <a:lstStyle/>
+          <a:p>
+            <a:r>
+              <a:rPr lang="en-US" sz="2400" b="1" u="sng" dirty="0">
+                <a:solidFill>
+                  <a:schemeClr val="bg1">
+                    <a:lumMod val="95000"/>
+                  </a:schemeClr>
+                </a:solidFill>
+              </a:rPr>
+              <a:t>Odds Ratio</a:t>
+            </a:r>
+            <a:r>
+              <a:rPr lang="en-US" sz="2400" b="1" i="1" dirty="0">
+                <a:solidFill>
+                  <a:schemeClr val="bg1">
+                    <a:lumMod val="95000"/>
+                  </a:schemeClr>
+                </a:solidFill>
+              </a:rPr>
+              <a:t> </a:t>
+            </a:r>
+            <a:r>
+              <a:rPr lang="en-US" sz="2400" dirty="0">
+                <a:solidFill>
+                  <a:schemeClr val="bg1">
+                    <a:lumMod val="95000"/>
+                  </a:schemeClr>
+                </a:solidFill>
+              </a:rPr>
+              <a:t>is a measure of association between exposure and an outcome. Odds that the outcome will occur given a particular exposure, compared to the odds in the absence of that exposure</a:t>
+            </a:r>
+            <a:endParaRPr lang="en-US" sz="3600" dirty="0">
+              <a:solidFill>
+                <a:schemeClr val="bg1">
+                  <a:lumMod val="95000"/>
+                </a:schemeClr>
+              </a:solidFill>
+            </a:endParaRPr>
+          </a:p>
+        </p:txBody>
+      </p:sp>
     </p:spTree>
     <p:extLst>
       <p:ext uri="{BB962C8B-B14F-4D97-AF65-F5344CB8AC3E}">
@@ -4601,8 +4647,8 @@
             </p:nvSpPr>
             <p:spPr>
               <a:xfrm>
-                <a:off x="367721" y="2553217"/>
-                <a:ext cx="5188023" cy="1754326"/>
+                <a:off x="2408800" y="2553217"/>
+                <a:ext cx="3161828" cy="1754326"/>
               </a:xfrm>
               <a:prstGeom prst="rect">
                 <a:avLst/>
@@ -4659,7 +4705,7 @@
                       </a:schemeClr>
                     </a:solidFill>
                   </a:rPr>
-                  <a:t> of A and B &lt; 1</a:t>
+                  <a:t> &lt; 1</a:t>
                 </a:r>
               </a:p>
               <a:p>
@@ -4708,7 +4754,7 @@
                       </a:schemeClr>
                     </a:solidFill>
                   </a:rPr>
-                  <a:t> of A and B = 1</a:t>
+                  <a:t> = 1</a:t>
                 </a:r>
               </a:p>
               <a:p>
@@ -4757,7 +4803,7 @@
                       </a:schemeClr>
                     </a:solidFill>
                   </a:rPr>
-                  <a:t> of A and B &gt; 1</a:t>
+                  <a:t> &gt; 1</a:t>
                 </a:r>
               </a:p>
             </p:txBody>
@@ -4780,8 +4826,8 @@
             </p:nvSpPr>
             <p:spPr>
               <a:xfrm>
-                <a:off x="367721" y="2553217"/>
-                <a:ext cx="5188023" cy="1754326"/>
+                <a:off x="2408800" y="2553217"/>
+                <a:ext cx="3161828" cy="1754326"/>
               </a:xfrm>
               <a:prstGeom prst="rect">
                 <a:avLst/>
@@ -4789,7 +4835,7 @@
               <a:blipFill>
                 <a:blip r:embed="rId2"/>
                 <a:stretch>
-                  <a:fillRect l="-1222" t="-5036" r="-2445" b="-11511"/>
+                  <a:fillRect l="-2000" t="-5036" r="-4400" b="-11511"/>
                 </a:stretch>
               </a:blipFill>
             </p:spPr>
@@ -4824,7 +4870,7 @@
         </p:nvCxnSpPr>
         <p:spPr>
           <a:xfrm>
-            <a:off x="5711015" y="3430381"/>
+            <a:off x="5881138" y="3430381"/>
             <a:ext cx="648000" cy="0"/>
           </a:xfrm>
           <a:prstGeom prst="straightConnector1">
@@ -4868,7 +4914,7 @@
         </p:nvCxnSpPr>
         <p:spPr>
           <a:xfrm>
-            <a:off x="5711015" y="3965554"/>
+            <a:off x="5881138" y="3965554"/>
             <a:ext cx="648000" cy="0"/>
           </a:xfrm>
           <a:prstGeom prst="straightConnector1">
@@ -4912,7 +4958,7 @@
         </p:nvCxnSpPr>
         <p:spPr>
           <a:xfrm>
-            <a:off x="5711015" y="2859767"/>
+            <a:off x="5881138" y="2859767"/>
             <a:ext cx="648000" cy="0"/>
           </a:xfrm>
           <a:prstGeom prst="straightConnector1">
@@ -4954,7 +5000,7 @@
         </p:nvSpPr>
         <p:spPr>
           <a:xfrm>
-            <a:off x="6408606" y="3199548"/>
+            <a:off x="6578729" y="3199548"/>
             <a:ext cx="2005998" cy="461665"/>
           </a:xfrm>
           <a:prstGeom prst="rect">
@@ -4993,8 +5039,8 @@
         </p:nvSpPr>
         <p:spPr>
           <a:xfrm>
-            <a:off x="6408606" y="2628934"/>
-            <a:ext cx="2744597" cy="461665"/>
+            <a:off x="6578729" y="2628934"/>
+            <a:ext cx="4059701" cy="461665"/>
           </a:xfrm>
           <a:prstGeom prst="rect">
             <a:avLst/>
@@ -5013,7 +5059,7 @@
                   <a:schemeClr val="accent4"/>
                 </a:solidFill>
               </a:rPr>
-              <a:t>Negative association</a:t>
+              <a:t>Decreased occurrence of event</a:t>
             </a:r>
           </a:p>
         </p:txBody>
@@ -5032,8 +5078,8 @@
         </p:nvSpPr>
         <p:spPr>
           <a:xfrm>
-            <a:off x="6408605" y="3734721"/>
-            <a:ext cx="2613985" cy="461665"/>
+            <a:off x="6578728" y="3734721"/>
+            <a:ext cx="3955506" cy="461665"/>
           </a:xfrm>
           <a:prstGeom prst="rect">
             <a:avLst/>
@@ -5052,7 +5098,7 @@
                   <a:schemeClr val="accent4"/>
                 </a:solidFill>
               </a:rPr>
-              <a:t>Positive association</a:t>
+              <a:t>Increased occurrence of event</a:t>
             </a:r>
           </a:p>
         </p:txBody>
@@ -5071,7 +5117,7 @@
         </p:nvSpPr>
         <p:spPr>
           <a:xfrm>
-            <a:off x="1775637" y="4685921"/>
+            <a:off x="2901115" y="4685921"/>
             <a:ext cx="5339026" cy="646331"/>
           </a:xfrm>
           <a:prstGeom prst="rect">
@@ -5123,7 +5169,7 @@
         </p:nvCxnSpPr>
         <p:spPr>
           <a:xfrm>
-            <a:off x="3111721" y="5275755"/>
+            <a:off x="4237199" y="5275755"/>
             <a:ext cx="377898" cy="0"/>
           </a:xfrm>
           <a:prstGeom prst="straightConnector1">
@@ -5165,7 +5211,7 @@
         </p:nvSpPr>
         <p:spPr>
           <a:xfrm>
-            <a:off x="3500254" y="5091089"/>
+            <a:off x="4625732" y="5091089"/>
             <a:ext cx="4140749" cy="369332"/>
           </a:xfrm>
           <a:prstGeom prst="rect">
@@ -5206,7 +5252,7 @@
         </p:nvCxnSpPr>
         <p:spPr>
           <a:xfrm>
-            <a:off x="2953539" y="5560877"/>
+            <a:off x="4079017" y="5560877"/>
             <a:ext cx="536080" cy="0"/>
           </a:xfrm>
           <a:prstGeom prst="straightConnector1">
@@ -5248,7 +5294,7 @@
         </p:nvSpPr>
         <p:spPr>
           <a:xfrm>
-            <a:off x="3523394" y="5376211"/>
+            <a:off x="4648872" y="5376211"/>
             <a:ext cx="4426212" cy="369332"/>
           </a:xfrm>
           <a:prstGeom prst="rect">
@@ -5287,7 +5333,7 @@
         </p:nvSpPr>
         <p:spPr>
           <a:xfrm>
-            <a:off x="1867787" y="5093296"/>
+            <a:off x="2993265" y="5093296"/>
             <a:ext cx="6096000" cy="646331"/>
           </a:xfrm>
           <a:prstGeom prst="rect">

--- a/images/lecture_figures.pptx
+++ b/images/lecture_figures.pptx
@@ -109,6 +109,11 @@
       </a:defRPr>
     </a:lvl9pPr>
   </p:defaultTextStyle>
+  <p:extLst>
+    <p:ext uri="{EFAFB233-063F-42B5-8137-9DF3F51BA10A}">
+      <p15:sldGuideLst xmlns:p15="http://schemas.microsoft.com/office/powerpoint/2012/main"/>
+    </p:ext>
+  </p:extLst>
 </p:presentation>
 </file>
 
@@ -3638,8 +3643,8 @@
           <a:chExt cx="0" cy="0"/>
         </a:xfrm>
       </p:grpSpPr>
-      <mc:AlternateContent xmlns:mc="http://schemas.openxmlformats.org/markup-compatibility/2006">
-        <mc:Choice xmlns:a14="http://schemas.microsoft.com/office/drawing/2010/main" Requires="a14">
+      <mc:AlternateContent xmlns:mc="http://schemas.openxmlformats.org/markup-compatibility/2006" xmlns:a14="http://schemas.microsoft.com/office/drawing/2010/main">
+        <mc:Choice Requires="a14">
           <p:sp>
             <p:nvSpPr>
               <p:cNvPr id="11" name="TextBox 10">
@@ -3788,7 +3793,7 @@
             </p:txBody>
           </p:sp>
         </mc:Choice>
-        <mc:Fallback>
+        <mc:Fallback xmlns="">
           <p:sp>
             <p:nvSpPr>
               <p:cNvPr id="11" name="TextBox 10">
@@ -3863,8 +3868,8 @@
           <a:chExt cx="0" cy="0"/>
         </a:xfrm>
       </p:grpSpPr>
-      <mc:AlternateContent xmlns:mc="http://schemas.openxmlformats.org/markup-compatibility/2006">
-        <mc:Choice xmlns:a14="http://schemas.microsoft.com/office/drawing/2010/main" Requires="a14">
+      <mc:AlternateContent xmlns:mc="http://schemas.openxmlformats.org/markup-compatibility/2006" xmlns:a14="http://schemas.microsoft.com/office/drawing/2010/main">
+        <mc:Choice Requires="a14">
           <p:sp>
             <p:nvSpPr>
               <p:cNvPr id="5" name="TextBox 4">
@@ -4013,7 +4018,7 @@
             </p:txBody>
           </p:sp>
         </mc:Choice>
-        <mc:Fallback>
+        <mc:Fallback xmlns="">
           <p:sp>
             <p:nvSpPr>
               <p:cNvPr id="5" name="TextBox 4">
@@ -4366,8 +4371,8 @@
           </a:fontRef>
         </p:style>
       </p:cxnSp>
-      <mc:AlternateContent xmlns:mc="http://schemas.openxmlformats.org/markup-compatibility/2006">
-        <mc:Choice xmlns:a14="http://schemas.microsoft.com/office/drawing/2010/main" Requires="a14">
+      <mc:AlternateContent xmlns:mc="http://schemas.openxmlformats.org/markup-compatibility/2006" xmlns:a14="http://schemas.microsoft.com/office/drawing/2010/main">
+        <mc:Choice Requires="a14">
           <p:sp>
             <p:nvSpPr>
               <p:cNvPr id="18" name="TextBox 17">
@@ -4396,6 +4401,7 @@
               </a:bodyPr>
               <a:lstStyle/>
               <a:p>
+                <a:pPr/>
                 <a14:m>
                   <m:oMathPara xmlns:m="http://schemas.openxmlformats.org/officeDocument/2006/math">
                     <m:oMathParaPr>
@@ -4489,7 +4495,7 @@
             </p:txBody>
           </p:sp>
         </mc:Choice>
-        <mc:Fallback>
+        <mc:Fallback xmlns="">
           <p:sp>
             <p:nvSpPr>
               <p:cNvPr id="18" name="TextBox 17">
@@ -4589,7 +4595,7 @@
                   </a:schemeClr>
                 </a:solidFill>
               </a:rPr>
-              <a:t>is a measure of association between exposure and an outcome. Odds that the outcome will occur given a particular exposure, compared to the odds in the absence of that exposure</a:t>
+              <a:t>is the relative chance of an event happening under two different conditions. It is the odds that the outcome will occur in one condition, compared to the odds in the absence of that condition.</a:t>
             </a:r>
             <a:endParaRPr lang="en-US" sz="3600" dirty="0">
               <a:solidFill>
@@ -4631,8 +4637,8 @@
           <a:chExt cx="0" cy="0"/>
         </a:xfrm>
       </p:grpSpPr>
-      <mc:AlternateContent xmlns:mc="http://schemas.openxmlformats.org/markup-compatibility/2006">
-        <mc:Choice xmlns:a14="http://schemas.microsoft.com/office/drawing/2010/main" Requires="a14">
+      <mc:AlternateContent xmlns:mc="http://schemas.openxmlformats.org/markup-compatibility/2006" xmlns:a14="http://schemas.microsoft.com/office/drawing/2010/main">
+        <mc:Choice Requires="a14">
           <p:sp>
             <p:nvSpPr>
               <p:cNvPr id="2" name="Rectangle 1">
@@ -4809,7 +4815,7 @@
             </p:txBody>
           </p:sp>
         </mc:Choice>
-        <mc:Fallback>
+        <mc:Fallback xmlns="">
           <p:sp>
             <p:nvSpPr>
               <p:cNvPr id="2" name="Rectangle 1">
